--- a/Agilequestion.pptx
+++ b/Agilequestion.pptx
@@ -4,11 +4,25 @@
   <p:sldMasterIdLst>
     <p:sldMasterId id="2147483648" r:id="rId1"/>
   </p:sldMasterIdLst>
+  <p:notesMasterIdLst>
+    <p:notesMasterId r:id="rId17"/>
+  </p:notesMasterIdLst>
   <p:sldIdLst>
-    <p:sldId id="256" r:id="rId2"/>
-    <p:sldId id="257" r:id="rId3"/>
-    <p:sldId id="258" r:id="rId4"/>
-    <p:sldId id="259" r:id="rId5"/>
+    <p:sldId id="260" r:id="rId2"/>
+    <p:sldId id="261" r:id="rId3"/>
+    <p:sldId id="262" r:id="rId4"/>
+    <p:sldId id="267" r:id="rId5"/>
+    <p:sldId id="268" r:id="rId6"/>
+    <p:sldId id="269" r:id="rId7"/>
+    <p:sldId id="270" r:id="rId8"/>
+    <p:sldId id="256" r:id="rId9"/>
+    <p:sldId id="257" r:id="rId10"/>
+    <p:sldId id="258" r:id="rId11"/>
+    <p:sldId id="263" r:id="rId12"/>
+    <p:sldId id="259" r:id="rId13"/>
+    <p:sldId id="264" r:id="rId14"/>
+    <p:sldId id="265" r:id="rId15"/>
+    <p:sldId id="266" r:id="rId16"/>
   </p:sldIdLst>
   <p:sldSz cx="12192000" cy="6858000"/>
   <p:notesSz cx="6858000" cy="9144000"/>
@@ -113,6 +127,356 @@
     </p:ext>
   </p:extLst>
 </p:presentation>
+</file>
+
+<file path=ppt/notesMasters/notesMaster1.xml><?xml version="1.0" encoding="utf-8"?>
+<p:notesMaster xmlns:a="http://schemas.openxmlformats.org/drawingml/2006/main" xmlns:r="http://schemas.openxmlformats.org/officeDocument/2006/relationships" xmlns:p="http://schemas.openxmlformats.org/presentationml/2006/main">
+  <p:cSld>
+    <p:bg>
+      <p:bgRef idx="1001">
+        <a:schemeClr val="bg1"/>
+      </p:bgRef>
+    </p:bg>
+    <p:spTree>
+      <p:nvGrpSpPr>
+        <p:cNvPr id="1" name=""/>
+        <p:cNvGrpSpPr/>
+        <p:nvPr/>
+      </p:nvGrpSpPr>
+      <p:grpSpPr>
+        <a:xfrm>
+          <a:off x="0" y="0"/>
+          <a:ext cx="0" cy="0"/>
+          <a:chOff x="0" y="0"/>
+          <a:chExt cx="0" cy="0"/>
+        </a:xfrm>
+      </p:grpSpPr>
+      <p:sp>
+        <p:nvSpPr>
+          <p:cNvPr id="2" name="Header Placeholder 1"/>
+          <p:cNvSpPr>
+            <a:spLocks noGrp="1"/>
+          </p:cNvSpPr>
+          <p:nvPr>
+            <p:ph type="hdr" sz="quarter"/>
+          </p:nvPr>
+        </p:nvSpPr>
+        <p:spPr>
+          <a:xfrm>
+            <a:off x="0" y="0"/>
+            <a:ext cx="2971800" cy="458788"/>
+          </a:xfrm>
+          <a:prstGeom prst="rect">
+            <a:avLst/>
+          </a:prstGeom>
+        </p:spPr>
+        <p:txBody>
+          <a:bodyPr vert="horz" lIns="91440" tIns="45720" rIns="91440" bIns="45720" rtlCol="0"/>
+          <a:lstStyle>
+            <a:lvl1pPr algn="l">
+              <a:defRPr sz="1200"/>
+            </a:lvl1pPr>
+          </a:lstStyle>
+          <a:p>
+            <a:endParaRPr lang="en-GB"/>
+          </a:p>
+        </p:txBody>
+      </p:sp>
+      <p:sp>
+        <p:nvSpPr>
+          <p:cNvPr id="3" name="Date Placeholder 2"/>
+          <p:cNvSpPr>
+            <a:spLocks noGrp="1"/>
+          </p:cNvSpPr>
+          <p:nvPr>
+            <p:ph type="dt" idx="1"/>
+          </p:nvPr>
+        </p:nvSpPr>
+        <p:spPr>
+          <a:xfrm>
+            <a:off x="3884613" y="0"/>
+            <a:ext cx="2971800" cy="458788"/>
+          </a:xfrm>
+          <a:prstGeom prst="rect">
+            <a:avLst/>
+          </a:prstGeom>
+        </p:spPr>
+        <p:txBody>
+          <a:bodyPr vert="horz" lIns="91440" tIns="45720" rIns="91440" bIns="45720" rtlCol="0"/>
+          <a:lstStyle>
+            <a:lvl1pPr algn="r">
+              <a:defRPr sz="1200"/>
+            </a:lvl1pPr>
+          </a:lstStyle>
+          <a:p>
+            <a:fld id="{C4915386-136F-4161-86A9-974030F8FC79}" type="datetimeFigureOut">
+              <a:rPr lang="en-GB" smtClean="0"/>
+              <a:t>01/11/2016</a:t>
+            </a:fld>
+            <a:endParaRPr lang="en-GB"/>
+          </a:p>
+        </p:txBody>
+      </p:sp>
+      <p:sp>
+        <p:nvSpPr>
+          <p:cNvPr id="4" name="Slide Image Placeholder 3"/>
+          <p:cNvSpPr>
+            <a:spLocks noGrp="1" noRot="1" noChangeAspect="1"/>
+          </p:cNvSpPr>
+          <p:nvPr>
+            <p:ph type="sldImg" idx="2"/>
+          </p:nvPr>
+        </p:nvSpPr>
+        <p:spPr>
+          <a:xfrm>
+            <a:off x="685800" y="1143000"/>
+            <a:ext cx="5486400" cy="3086100"/>
+          </a:xfrm>
+          <a:prstGeom prst="rect">
+            <a:avLst/>
+          </a:prstGeom>
+          <a:noFill/>
+          <a:ln w="12700">
+            <a:solidFill>
+              <a:prstClr val="black"/>
+            </a:solidFill>
+          </a:ln>
+        </p:spPr>
+        <p:txBody>
+          <a:bodyPr vert="horz" lIns="91440" tIns="45720" rIns="91440" bIns="45720" rtlCol="0" anchor="ctr"/>
+          <a:lstStyle/>
+          <a:p>
+            <a:endParaRPr lang="en-GB"/>
+          </a:p>
+        </p:txBody>
+      </p:sp>
+      <p:sp>
+        <p:nvSpPr>
+          <p:cNvPr id="5" name="Notes Placeholder 4"/>
+          <p:cNvSpPr>
+            <a:spLocks noGrp="1"/>
+          </p:cNvSpPr>
+          <p:nvPr>
+            <p:ph type="body" sz="quarter" idx="3"/>
+          </p:nvPr>
+        </p:nvSpPr>
+        <p:spPr>
+          <a:xfrm>
+            <a:off x="685800" y="4400550"/>
+            <a:ext cx="5486400" cy="3600450"/>
+          </a:xfrm>
+          <a:prstGeom prst="rect">
+            <a:avLst/>
+          </a:prstGeom>
+        </p:spPr>
+        <p:txBody>
+          <a:bodyPr vert="horz" lIns="91440" tIns="45720" rIns="91440" bIns="45720" rtlCol="0"/>
+          <a:lstStyle/>
+          <a:p>
+            <a:pPr lvl="0"/>
+            <a:r>
+              <a:rPr lang="en-US" smtClean="0"/>
+              <a:t>Edit Master text styles</a:t>
+            </a:r>
+          </a:p>
+          <a:p>
+            <a:pPr lvl="1"/>
+            <a:r>
+              <a:rPr lang="en-US" smtClean="0"/>
+              <a:t>Second level</a:t>
+            </a:r>
+          </a:p>
+          <a:p>
+            <a:pPr lvl="2"/>
+            <a:r>
+              <a:rPr lang="en-US" smtClean="0"/>
+              <a:t>Third level</a:t>
+            </a:r>
+          </a:p>
+          <a:p>
+            <a:pPr lvl="3"/>
+            <a:r>
+              <a:rPr lang="en-US" smtClean="0"/>
+              <a:t>Fourth level</a:t>
+            </a:r>
+          </a:p>
+          <a:p>
+            <a:pPr lvl="4"/>
+            <a:r>
+              <a:rPr lang="en-US" smtClean="0"/>
+              <a:t>Fifth level</a:t>
+            </a:r>
+            <a:endParaRPr lang="en-GB"/>
+          </a:p>
+        </p:txBody>
+      </p:sp>
+      <p:sp>
+        <p:nvSpPr>
+          <p:cNvPr id="6" name="Footer Placeholder 5"/>
+          <p:cNvSpPr>
+            <a:spLocks noGrp="1"/>
+          </p:cNvSpPr>
+          <p:nvPr>
+            <p:ph type="ftr" sz="quarter" idx="4"/>
+          </p:nvPr>
+        </p:nvSpPr>
+        <p:spPr>
+          <a:xfrm>
+            <a:off x="0" y="8685213"/>
+            <a:ext cx="2971800" cy="458787"/>
+          </a:xfrm>
+          <a:prstGeom prst="rect">
+            <a:avLst/>
+          </a:prstGeom>
+        </p:spPr>
+        <p:txBody>
+          <a:bodyPr vert="horz" lIns="91440" tIns="45720" rIns="91440" bIns="45720" rtlCol="0" anchor="b"/>
+          <a:lstStyle>
+            <a:lvl1pPr algn="l">
+              <a:defRPr sz="1200"/>
+            </a:lvl1pPr>
+          </a:lstStyle>
+          <a:p>
+            <a:endParaRPr lang="en-GB"/>
+          </a:p>
+        </p:txBody>
+      </p:sp>
+      <p:sp>
+        <p:nvSpPr>
+          <p:cNvPr id="7" name="Slide Number Placeholder 6"/>
+          <p:cNvSpPr>
+            <a:spLocks noGrp="1"/>
+          </p:cNvSpPr>
+          <p:nvPr>
+            <p:ph type="sldNum" sz="quarter" idx="5"/>
+          </p:nvPr>
+        </p:nvSpPr>
+        <p:spPr>
+          <a:xfrm>
+            <a:off x="3884613" y="8685213"/>
+            <a:ext cx="2971800" cy="458787"/>
+          </a:xfrm>
+          <a:prstGeom prst="rect">
+            <a:avLst/>
+          </a:prstGeom>
+        </p:spPr>
+        <p:txBody>
+          <a:bodyPr vert="horz" lIns="91440" tIns="45720" rIns="91440" bIns="45720" rtlCol="0" anchor="b"/>
+          <a:lstStyle>
+            <a:lvl1pPr algn="r">
+              <a:defRPr sz="1200"/>
+            </a:lvl1pPr>
+          </a:lstStyle>
+          <a:p>
+            <a:fld id="{955F4C64-F99F-4053-B869-BD1D61827884}" type="slidenum">
+              <a:rPr lang="en-GB" smtClean="0"/>
+              <a:t>‹#›</a:t>
+            </a:fld>
+            <a:endParaRPr lang="en-GB"/>
+          </a:p>
+        </p:txBody>
+      </p:sp>
+    </p:spTree>
+    <p:extLst>
+      <p:ext uri="{BB962C8B-B14F-4D97-AF65-F5344CB8AC3E}">
+        <p14:creationId xmlns:p14="http://schemas.microsoft.com/office/powerpoint/2010/main" val="2031775297"/>
+      </p:ext>
+    </p:extLst>
+  </p:cSld>
+  <p:clrMap bg1="lt1" tx1="dk1" bg2="lt2" tx2="dk2" accent1="accent1" accent2="accent2" accent3="accent3" accent4="accent4" accent5="accent5" accent6="accent6" hlink="hlink" folHlink="folHlink"/>
+  <p:notesStyle>
+    <a:lvl1pPr marL="0" algn="l" defTabSz="914400" rtl="0" eaLnBrk="1" latinLnBrk="0" hangingPunct="1">
+      <a:defRPr sz="1200" kern="1200">
+        <a:solidFill>
+          <a:schemeClr val="tx1"/>
+        </a:solidFill>
+        <a:latin typeface="+mn-lt"/>
+        <a:ea typeface="+mn-ea"/>
+        <a:cs typeface="+mn-cs"/>
+      </a:defRPr>
+    </a:lvl1pPr>
+    <a:lvl2pPr marL="457200" algn="l" defTabSz="914400" rtl="0" eaLnBrk="1" latinLnBrk="0" hangingPunct="1">
+      <a:defRPr sz="1200" kern="1200">
+        <a:solidFill>
+          <a:schemeClr val="tx1"/>
+        </a:solidFill>
+        <a:latin typeface="+mn-lt"/>
+        <a:ea typeface="+mn-ea"/>
+        <a:cs typeface="+mn-cs"/>
+      </a:defRPr>
+    </a:lvl2pPr>
+    <a:lvl3pPr marL="914400" algn="l" defTabSz="914400" rtl="0" eaLnBrk="1" latinLnBrk="0" hangingPunct="1">
+      <a:defRPr sz="1200" kern="1200">
+        <a:solidFill>
+          <a:schemeClr val="tx1"/>
+        </a:solidFill>
+        <a:latin typeface="+mn-lt"/>
+        <a:ea typeface="+mn-ea"/>
+        <a:cs typeface="+mn-cs"/>
+      </a:defRPr>
+    </a:lvl3pPr>
+    <a:lvl4pPr marL="1371600" algn="l" defTabSz="914400" rtl="0" eaLnBrk="1" latinLnBrk="0" hangingPunct="1">
+      <a:defRPr sz="1200" kern="1200">
+        <a:solidFill>
+          <a:schemeClr val="tx1"/>
+        </a:solidFill>
+        <a:latin typeface="+mn-lt"/>
+        <a:ea typeface="+mn-ea"/>
+        <a:cs typeface="+mn-cs"/>
+      </a:defRPr>
+    </a:lvl4pPr>
+    <a:lvl5pPr marL="1828800" algn="l" defTabSz="914400" rtl="0" eaLnBrk="1" latinLnBrk="0" hangingPunct="1">
+      <a:defRPr sz="1200" kern="1200">
+        <a:solidFill>
+          <a:schemeClr val="tx1"/>
+        </a:solidFill>
+        <a:latin typeface="+mn-lt"/>
+        <a:ea typeface="+mn-ea"/>
+        <a:cs typeface="+mn-cs"/>
+      </a:defRPr>
+    </a:lvl5pPr>
+    <a:lvl6pPr marL="2286000" algn="l" defTabSz="914400" rtl="0" eaLnBrk="1" latinLnBrk="0" hangingPunct="1">
+      <a:defRPr sz="1200" kern="1200">
+        <a:solidFill>
+          <a:schemeClr val="tx1"/>
+        </a:solidFill>
+        <a:latin typeface="+mn-lt"/>
+        <a:ea typeface="+mn-ea"/>
+        <a:cs typeface="+mn-cs"/>
+      </a:defRPr>
+    </a:lvl6pPr>
+    <a:lvl7pPr marL="2743200" algn="l" defTabSz="914400" rtl="0" eaLnBrk="1" latinLnBrk="0" hangingPunct="1">
+      <a:defRPr sz="1200" kern="1200">
+        <a:solidFill>
+          <a:schemeClr val="tx1"/>
+        </a:solidFill>
+        <a:latin typeface="+mn-lt"/>
+        <a:ea typeface="+mn-ea"/>
+        <a:cs typeface="+mn-cs"/>
+      </a:defRPr>
+    </a:lvl7pPr>
+    <a:lvl8pPr marL="3200400" algn="l" defTabSz="914400" rtl="0" eaLnBrk="1" latinLnBrk="0" hangingPunct="1">
+      <a:defRPr sz="1200" kern="1200">
+        <a:solidFill>
+          <a:schemeClr val="tx1"/>
+        </a:solidFill>
+        <a:latin typeface="+mn-lt"/>
+        <a:ea typeface="+mn-ea"/>
+        <a:cs typeface="+mn-cs"/>
+      </a:defRPr>
+    </a:lvl8pPr>
+    <a:lvl9pPr marL="3657600" algn="l" defTabSz="914400" rtl="0" eaLnBrk="1" latinLnBrk="0" hangingPunct="1">
+      <a:defRPr sz="1200" kern="1200">
+        <a:solidFill>
+          <a:schemeClr val="tx1"/>
+        </a:solidFill>
+        <a:latin typeface="+mn-lt"/>
+        <a:ea typeface="+mn-ea"/>
+        <a:cs typeface="+mn-cs"/>
+      </a:defRPr>
+    </a:lvl9pPr>
+  </p:notesStyle>
+</p:notesMaster>
 </file>
 
 <file path=ppt/slideLayouts/slideLayout1.xml><?xml version="1.0" encoding="utf-8"?>
@@ -2996,7 +3360,23 @@
           <a:p>
             <a:r>
               <a:rPr lang="en-GB" dirty="0"/>
-              <a:t>Do the amount of test cycles per day affect the progress of agile game development?</a:t>
+              <a:t>The impact of the Agile </a:t>
+            </a:r>
+            <a:r>
+              <a:rPr lang="en-GB" dirty="0" smtClean="0"/>
+              <a:t>philosophy </a:t>
+            </a:r>
+            <a:r>
+              <a:rPr lang="en-GB" dirty="0"/>
+              <a:t>to the morale of a </a:t>
+            </a:r>
+            <a:r>
+              <a:rPr lang="en-GB" dirty="0" smtClean="0"/>
+              <a:t>team during the pre-production and implementation phase .</a:t>
+            </a:r>
+            <a:r>
+              <a:rPr lang="en-GB" dirty="0"/>
+              <a:t/>
             </a:r>
             <a:br>
               <a:rPr lang="en-GB" dirty="0"/>
@@ -3008,7 +3388,717 @@
     </p:spTree>
     <p:extLst>
       <p:ext uri="{BB962C8B-B14F-4D97-AF65-F5344CB8AC3E}">
-        <p14:creationId xmlns:p14="http://schemas.microsoft.com/office/powerpoint/2010/main" val="3229191298"/>
+        <p14:creationId xmlns:p14="http://schemas.microsoft.com/office/powerpoint/2010/main" val="3542953866"/>
+      </p:ext>
+    </p:extLst>
+  </p:cSld>
+  <p:clrMapOvr>
+    <a:masterClrMapping/>
+  </p:clrMapOvr>
+</p:sld>
+</file>
+
+<file path=ppt/slides/slide10.xml><?xml version="1.0" encoding="utf-8"?>
+<p:sld xmlns:a="http://schemas.openxmlformats.org/drawingml/2006/main" xmlns:r="http://schemas.openxmlformats.org/officeDocument/2006/relationships" xmlns:p="http://schemas.openxmlformats.org/presentationml/2006/main">
+  <p:cSld>
+    <p:spTree>
+      <p:nvGrpSpPr>
+        <p:cNvPr id="1" name=""/>
+        <p:cNvGrpSpPr/>
+        <p:nvPr/>
+      </p:nvGrpSpPr>
+      <p:grpSpPr>
+        <a:xfrm>
+          <a:off x="0" y="0"/>
+          <a:ext cx="0" cy="0"/>
+          <a:chOff x="0" y="0"/>
+          <a:chExt cx="0" cy="0"/>
+        </a:xfrm>
+      </p:grpSpPr>
+      <p:sp>
+        <p:nvSpPr>
+          <p:cNvPr id="2" name="Title 1"/>
+          <p:cNvSpPr>
+            <a:spLocks noGrp="1"/>
+          </p:cNvSpPr>
+          <p:nvPr>
+            <p:ph type="title"/>
+          </p:nvPr>
+        </p:nvSpPr>
+        <p:spPr/>
+        <p:txBody>
+          <a:bodyPr/>
+          <a:lstStyle/>
+          <a:p>
+            <a:r>
+              <a:rPr lang="en-GB" dirty="0"/>
+              <a:t>Effects </a:t>
+            </a:r>
+          </a:p>
+        </p:txBody>
+      </p:sp>
+      <p:sp>
+        <p:nvSpPr>
+          <p:cNvPr id="3" name="Content Placeholder 2"/>
+          <p:cNvSpPr>
+            <a:spLocks noGrp="1"/>
+          </p:cNvSpPr>
+          <p:nvPr>
+            <p:ph idx="1"/>
+          </p:nvPr>
+        </p:nvSpPr>
+        <p:spPr/>
+        <p:txBody>
+          <a:bodyPr/>
+          <a:lstStyle/>
+          <a:p>
+            <a:r>
+              <a:rPr lang="en-GB" dirty="0"/>
+              <a:t>By having more than one are you forcing this?</a:t>
+            </a:r>
+          </a:p>
+          <a:p>
+            <a:r>
+              <a:rPr lang="en-GB" dirty="0"/>
+              <a:t>Will it make parts of the team cut corners and lower quality because they are aiming for so many test cycles?</a:t>
+            </a:r>
+          </a:p>
+          <a:p>
+            <a:r>
+              <a:rPr lang="en-GB" dirty="0"/>
+              <a:t>Is this beneficial to a team as different areas in game development can take more time than others?</a:t>
+            </a:r>
+          </a:p>
+          <a:p>
+            <a:r>
+              <a:rPr lang="en-GB" dirty="0"/>
+              <a:t>Is running more than one cycle beneficial to spot errors more quickly or does it hinder the teams progress?</a:t>
+            </a:r>
+          </a:p>
+          <a:p>
+            <a:endParaRPr lang="en-GB" dirty="0"/>
+          </a:p>
+          <a:p>
+            <a:endParaRPr lang="en-GB" dirty="0"/>
+          </a:p>
+        </p:txBody>
+      </p:sp>
+    </p:spTree>
+    <p:extLst>
+      <p:ext uri="{BB962C8B-B14F-4D97-AF65-F5344CB8AC3E}">
+        <p14:creationId xmlns:p14="http://schemas.microsoft.com/office/powerpoint/2010/main" val="3606958153"/>
+      </p:ext>
+    </p:extLst>
+  </p:cSld>
+  <p:clrMapOvr>
+    <a:masterClrMapping/>
+  </p:clrMapOvr>
+</p:sld>
+</file>
+
+<file path=ppt/slides/slide11.xml><?xml version="1.0" encoding="utf-8"?>
+<p:sld xmlns:a="http://schemas.openxmlformats.org/drawingml/2006/main" xmlns:r="http://schemas.openxmlformats.org/officeDocument/2006/relationships" xmlns:p="http://schemas.openxmlformats.org/presentationml/2006/main">
+  <p:cSld>
+    <p:spTree>
+      <p:nvGrpSpPr>
+        <p:cNvPr id="1" name=""/>
+        <p:cNvGrpSpPr/>
+        <p:nvPr/>
+      </p:nvGrpSpPr>
+      <p:grpSpPr>
+        <a:xfrm>
+          <a:off x="0" y="0"/>
+          <a:ext cx="0" cy="0"/>
+          <a:chOff x="0" y="0"/>
+          <a:chExt cx="0" cy="0"/>
+        </a:xfrm>
+      </p:grpSpPr>
+      <p:sp>
+        <p:nvSpPr>
+          <p:cNvPr id="2" name="Title 1"/>
+          <p:cNvSpPr>
+            <a:spLocks noGrp="1"/>
+          </p:cNvSpPr>
+          <p:nvPr>
+            <p:ph type="title"/>
+          </p:nvPr>
+        </p:nvSpPr>
+        <p:spPr/>
+        <p:txBody>
+          <a:bodyPr/>
+          <a:lstStyle/>
+          <a:p>
+            <a:r>
+              <a:rPr lang="en-GB" dirty="0" smtClean="0"/>
+              <a:t>Outcomes</a:t>
+            </a:r>
+            <a:endParaRPr lang="en-GB" dirty="0"/>
+          </a:p>
+        </p:txBody>
+      </p:sp>
+      <p:sp>
+        <p:nvSpPr>
+          <p:cNvPr id="3" name="Content Placeholder 2"/>
+          <p:cNvSpPr>
+            <a:spLocks noGrp="1"/>
+          </p:cNvSpPr>
+          <p:nvPr>
+            <p:ph idx="1"/>
+          </p:nvPr>
+        </p:nvSpPr>
+        <p:spPr/>
+        <p:txBody>
+          <a:bodyPr/>
+          <a:lstStyle/>
+          <a:p>
+            <a:r>
+              <a:rPr lang="en-GB" dirty="0" smtClean="0"/>
+              <a:t>Deeper understanding into this part to clarify the topic </a:t>
+            </a:r>
+          </a:p>
+          <a:p>
+            <a:r>
+              <a:rPr lang="en-GB" dirty="0" smtClean="0"/>
+              <a:t>To have this question as one paper rather than points in multiple papers</a:t>
+            </a:r>
+          </a:p>
+          <a:p>
+            <a:r>
+              <a:rPr lang="en-GB" dirty="0" smtClean="0"/>
+              <a:t> </a:t>
+            </a:r>
+          </a:p>
+          <a:p>
+            <a:endParaRPr lang="en-GB" dirty="0"/>
+          </a:p>
+        </p:txBody>
+      </p:sp>
+    </p:spTree>
+    <p:extLst>
+      <p:ext uri="{BB962C8B-B14F-4D97-AF65-F5344CB8AC3E}">
+        <p14:creationId xmlns:p14="http://schemas.microsoft.com/office/powerpoint/2010/main" val="724899247"/>
+      </p:ext>
+    </p:extLst>
+  </p:cSld>
+  <p:clrMapOvr>
+    <a:masterClrMapping/>
+  </p:clrMapOvr>
+</p:sld>
+</file>
+
+<file path=ppt/slides/slide12.xml><?xml version="1.0" encoding="utf-8"?>
+<p:sld xmlns:a="http://schemas.openxmlformats.org/drawingml/2006/main" xmlns:r="http://schemas.openxmlformats.org/officeDocument/2006/relationships" xmlns:p="http://schemas.openxmlformats.org/presentationml/2006/main">
+  <p:cSld>
+    <p:spTree>
+      <p:nvGrpSpPr>
+        <p:cNvPr id="1" name=""/>
+        <p:cNvGrpSpPr/>
+        <p:nvPr/>
+      </p:nvGrpSpPr>
+      <p:grpSpPr>
+        <a:xfrm>
+          <a:off x="0" y="0"/>
+          <a:ext cx="0" cy="0"/>
+          <a:chOff x="0" y="0"/>
+          <a:chExt cx="0" cy="0"/>
+        </a:xfrm>
+      </p:grpSpPr>
+      <p:sp>
+        <p:nvSpPr>
+          <p:cNvPr id="2" name="Title 1"/>
+          <p:cNvSpPr>
+            <a:spLocks noGrp="1"/>
+          </p:cNvSpPr>
+          <p:nvPr>
+            <p:ph type="title"/>
+          </p:nvPr>
+        </p:nvSpPr>
+        <p:spPr/>
+        <p:txBody>
+          <a:bodyPr/>
+          <a:lstStyle/>
+          <a:p>
+            <a:r>
+              <a:rPr lang="en-GB" dirty="0"/>
+              <a:t>Other sources </a:t>
+            </a:r>
+          </a:p>
+        </p:txBody>
+      </p:sp>
+      <p:sp>
+        <p:nvSpPr>
+          <p:cNvPr id="3" name="Content Placeholder 2"/>
+          <p:cNvSpPr>
+            <a:spLocks noGrp="1"/>
+          </p:cNvSpPr>
+          <p:nvPr>
+            <p:ph idx="1"/>
+          </p:nvPr>
+        </p:nvSpPr>
+        <p:spPr/>
+        <p:txBody>
+          <a:bodyPr/>
+          <a:lstStyle/>
+          <a:p>
+            <a:r>
+              <a:rPr lang="en-GB" u="sng" dirty="0">
+                <a:hlinkClick r:id="rId2"/>
+              </a:rPr>
+              <a:t>http://www.tandfonline.com/doi/abs/10.1201/1078.10580530/46108.23.3.20060601/93703.2?journalCode=uism20</a:t>
+            </a:r>
+            <a:endParaRPr lang="en-GB" dirty="0"/>
+          </a:p>
+          <a:p>
+            <a:r>
+              <a:rPr lang="en-GB" u="sng" dirty="0">
+                <a:hlinkClick r:id="rId3"/>
+              </a:rPr>
+              <a:t>https://arxiv.org/abs/1409.6610</a:t>
+            </a:r>
+            <a:endParaRPr lang="en-GB" dirty="0"/>
+          </a:p>
+          <a:p>
+            <a:r>
+              <a:rPr lang="en-GB" u="sng" dirty="0">
+                <a:hlinkClick r:id="rId4"/>
+              </a:rPr>
+              <a:t>http://kremer.cpsc.ucalgary.ca/courses/seng403/W2013/papers/05GameDevelopment.pdf</a:t>
+            </a:r>
+            <a:endParaRPr lang="en-GB" dirty="0"/>
+          </a:p>
+          <a:p>
+            <a:endParaRPr lang="en-GB" dirty="0"/>
+          </a:p>
+        </p:txBody>
+      </p:sp>
+    </p:spTree>
+    <p:extLst>
+      <p:ext uri="{BB962C8B-B14F-4D97-AF65-F5344CB8AC3E}">
+        <p14:creationId xmlns:p14="http://schemas.microsoft.com/office/powerpoint/2010/main" val="1248082348"/>
+      </p:ext>
+    </p:extLst>
+  </p:cSld>
+  <p:clrMapOvr>
+    <a:masterClrMapping/>
+  </p:clrMapOvr>
+</p:sld>
+</file>
+
+<file path=ppt/slides/slide13.xml><?xml version="1.0" encoding="utf-8"?>
+<p:sld xmlns:a="http://schemas.openxmlformats.org/drawingml/2006/main" xmlns:r="http://schemas.openxmlformats.org/officeDocument/2006/relationships" xmlns:p="http://schemas.openxmlformats.org/presentationml/2006/main">
+  <p:cSld>
+    <p:spTree>
+      <p:nvGrpSpPr>
+        <p:cNvPr id="1" name=""/>
+        <p:cNvGrpSpPr/>
+        <p:nvPr/>
+      </p:nvGrpSpPr>
+      <p:grpSpPr>
+        <a:xfrm>
+          <a:off x="0" y="0"/>
+          <a:ext cx="0" cy="0"/>
+          <a:chOff x="0" y="0"/>
+          <a:chExt cx="0" cy="0"/>
+        </a:xfrm>
+      </p:grpSpPr>
+      <p:sp>
+        <p:nvSpPr>
+          <p:cNvPr id="2" name="Title 1"/>
+          <p:cNvSpPr>
+            <a:spLocks noGrp="1"/>
+          </p:cNvSpPr>
+          <p:nvPr>
+            <p:ph type="ctrTitle"/>
+          </p:nvPr>
+        </p:nvSpPr>
+        <p:spPr>
+          <a:xfrm>
+            <a:off x="1468458" y="3131389"/>
+            <a:ext cx="9144000" cy="2932982"/>
+          </a:xfrm>
+        </p:spPr>
+        <p:txBody>
+          <a:bodyPr>
+            <a:normAutofit fontScale="90000"/>
+          </a:bodyPr>
+          <a:lstStyle/>
+          <a:p>
+            <a:r>
+              <a:rPr lang="en-GB" sz="4400" b="1" dirty="0" smtClean="0"/>
+              <a:t>Can </a:t>
+            </a:r>
+            <a:r>
+              <a:rPr lang="en-GB" sz="4400" b="1" dirty="0"/>
+              <a:t>the way that user stories are </a:t>
+            </a:r>
+            <a:r>
+              <a:rPr lang="en-GB" sz="4400" b="1" dirty="0" smtClean="0"/>
+              <a:t>prioritised and allocated </a:t>
+            </a:r>
+            <a:r>
+              <a:rPr lang="en-GB" sz="4400" b="1" dirty="0"/>
+              <a:t>I.E. "MoSCoW method" </a:t>
+            </a:r>
+            <a:r>
+              <a:rPr lang="en-GB" sz="4400" b="1" dirty="0" smtClean="0"/>
+              <a:t>have </a:t>
+            </a:r>
+            <a:r>
+              <a:rPr lang="en-GB" sz="4400" b="1" dirty="0"/>
+              <a:t>an impact on the </a:t>
+            </a:r>
+            <a:r>
+              <a:rPr lang="en-GB" sz="4400" b="1" dirty="0" smtClean="0"/>
+              <a:t>length of a sprint in </a:t>
+            </a:r>
+            <a:r>
+              <a:rPr lang="en-GB" sz="4400" b="1" dirty="0"/>
+              <a:t>the video games industry</a:t>
+            </a:r>
+            <a:r>
+              <a:rPr lang="en-GB" sz="4400" b="1" dirty="0" smtClean="0"/>
+              <a:t>?</a:t>
+            </a:r>
+            <a:br>
+              <a:rPr lang="en-GB" sz="4400" b="1" dirty="0" smtClean="0"/>
+            </a:br>
+            <a:r>
+              <a:rPr lang="en-GB" sz="4400" b="1" dirty="0" smtClean="0"/>
+              <a:t/>
+            </a:r>
+            <a:br>
+              <a:rPr lang="en-GB" sz="4400" b="1" dirty="0" smtClean="0"/>
+            </a:br>
+            <a:r>
+              <a:rPr lang="en-GB" sz="2800" dirty="0" smtClean="0"/>
+              <a:t>As User Stories are the way that jobs are presented to the developers on a project, I feel that they are an integral part of Agile Development practice</a:t>
+            </a:r>
+            <a:r>
+              <a:rPr lang="en-GB" dirty="0"/>
+              <a:t/>
+            </a:r>
+            <a:br>
+              <a:rPr lang="en-GB" dirty="0"/>
+            </a:br>
+            <a:endParaRPr lang="en-GB" dirty="0"/>
+          </a:p>
+        </p:txBody>
+      </p:sp>
+    </p:spTree>
+    <p:extLst>
+      <p:ext uri="{BB962C8B-B14F-4D97-AF65-F5344CB8AC3E}">
+        <p14:creationId xmlns:p14="http://schemas.microsoft.com/office/powerpoint/2010/main" val="4038804555"/>
+      </p:ext>
+    </p:extLst>
+  </p:cSld>
+  <p:clrMapOvr>
+    <a:masterClrMapping/>
+  </p:clrMapOvr>
+</p:sld>
+</file>
+
+<file path=ppt/slides/slide14.xml><?xml version="1.0" encoding="utf-8"?>
+<p:sld xmlns:a="http://schemas.openxmlformats.org/drawingml/2006/main" xmlns:r="http://schemas.openxmlformats.org/officeDocument/2006/relationships" xmlns:p="http://schemas.openxmlformats.org/presentationml/2006/main">
+  <p:cSld>
+    <p:spTree>
+      <p:nvGrpSpPr>
+        <p:cNvPr id="1" name=""/>
+        <p:cNvGrpSpPr/>
+        <p:nvPr/>
+      </p:nvGrpSpPr>
+      <p:grpSpPr>
+        <a:xfrm>
+          <a:off x="0" y="0"/>
+          <a:ext cx="0" cy="0"/>
+          <a:chOff x="0" y="0"/>
+          <a:chExt cx="0" cy="0"/>
+        </a:xfrm>
+      </p:grpSpPr>
+      <p:sp>
+        <p:nvSpPr>
+          <p:cNvPr id="2" name="Title 1"/>
+          <p:cNvSpPr>
+            <a:spLocks noGrp="1"/>
+          </p:cNvSpPr>
+          <p:nvPr>
+            <p:ph type="title"/>
+          </p:nvPr>
+        </p:nvSpPr>
+        <p:spPr/>
+        <p:txBody>
+          <a:bodyPr/>
+          <a:lstStyle/>
+          <a:p>
+            <a:pPr algn="ctr"/>
+            <a:r>
+              <a:rPr lang="en-GB" b="1" dirty="0" smtClean="0"/>
+              <a:t>Key Research Findings</a:t>
+            </a:r>
+            <a:r>
+              <a:rPr lang="en-GB" dirty="0"/>
+              <a:t>	</a:t>
+            </a:r>
+          </a:p>
+        </p:txBody>
+      </p:sp>
+      <p:sp>
+        <p:nvSpPr>
+          <p:cNvPr id="3" name="Content Placeholder 2"/>
+          <p:cNvSpPr>
+            <a:spLocks noGrp="1"/>
+          </p:cNvSpPr>
+          <p:nvPr>
+            <p:ph idx="1"/>
+          </p:nvPr>
+        </p:nvSpPr>
+        <p:spPr>
+          <a:xfrm>
+            <a:off x="588034" y="1816999"/>
+            <a:ext cx="10893725" cy="4351338"/>
+          </a:xfrm>
+        </p:spPr>
+        <p:txBody>
+          <a:bodyPr>
+            <a:normAutofit lnSpcReduction="10000"/>
+          </a:bodyPr>
+          <a:lstStyle/>
+          <a:p>
+            <a:pPr algn="ctr">
+              <a:buNone/>
+            </a:pPr>
+            <a:r>
+              <a:rPr lang="en-GB" b="1" dirty="0" smtClean="0"/>
+              <a:t>4 Different types of Prioritisation Methods used in Agile Development</a:t>
+            </a:r>
+          </a:p>
+          <a:p>
+            <a:pPr algn="ctr">
+              <a:buNone/>
+            </a:pPr>
+            <a:r>
+              <a:rPr lang="en-GB" dirty="0" smtClean="0"/>
+              <a:t>Validated Learning, Walking Skeleton, MoSCoW, Business Value Based</a:t>
+            </a:r>
+          </a:p>
+          <a:p>
+            <a:pPr algn="ctr">
+              <a:buNone/>
+            </a:pPr>
+            <a:r>
+              <a:rPr lang="en-GB" b="1" dirty="0" smtClean="0"/>
+              <a:t>12 Factors to take into account when creating effective User Stories</a:t>
+            </a:r>
+          </a:p>
+          <a:p>
+            <a:pPr algn="ctr">
+              <a:buNone/>
+            </a:pPr>
+            <a:r>
+              <a:rPr lang="en-GB" dirty="0" smtClean="0"/>
+              <a:t>Complexity, Required Technical Ability, Timely Delivery</a:t>
+            </a:r>
+          </a:p>
+          <a:p>
+            <a:pPr algn="ctr">
+              <a:buNone/>
+            </a:pPr>
+            <a:r>
+              <a:rPr lang="en-GB" b="1" dirty="0" smtClean="0"/>
+              <a:t>User Story development practices currently found in the video game industry are considered very outdated</a:t>
+            </a:r>
+          </a:p>
+          <a:p>
+            <a:pPr algn="ctr">
+              <a:buNone/>
+            </a:pPr>
+            <a:r>
+              <a:rPr lang="en-GB" dirty="0" smtClean="0"/>
+              <a:t>Still employ methodologies built for a team of 10 people</a:t>
+            </a:r>
+          </a:p>
+          <a:p>
+            <a:pPr algn="ctr">
+              <a:buNone/>
+            </a:pPr>
+            <a:r>
+              <a:rPr lang="en-GB" b="1" dirty="0" smtClean="0"/>
+              <a:t>There are many existing User Story Quality Frameworks</a:t>
+            </a:r>
+          </a:p>
+          <a:p>
+            <a:pPr algn="ctr">
+              <a:buNone/>
+            </a:pPr>
+            <a:r>
+              <a:rPr lang="en-GB" dirty="0" smtClean="0"/>
+              <a:t>Although they are hardly employed in actual development practice</a:t>
+            </a:r>
+            <a:endParaRPr lang="en-GB" dirty="0"/>
+          </a:p>
+          <a:p>
+            <a:endParaRPr lang="en-GB" dirty="0"/>
+          </a:p>
+        </p:txBody>
+      </p:sp>
+    </p:spTree>
+    <p:extLst>
+      <p:ext uri="{BB962C8B-B14F-4D97-AF65-F5344CB8AC3E}">
+        <p14:creationId xmlns:p14="http://schemas.microsoft.com/office/powerpoint/2010/main" val="772309632"/>
+      </p:ext>
+    </p:extLst>
+  </p:cSld>
+  <p:clrMapOvr>
+    <a:masterClrMapping/>
+  </p:clrMapOvr>
+</p:sld>
+</file>
+
+<file path=ppt/slides/slide15.xml><?xml version="1.0" encoding="utf-8"?>
+<p:sld xmlns:a="http://schemas.openxmlformats.org/drawingml/2006/main" xmlns:r="http://schemas.openxmlformats.org/officeDocument/2006/relationships" xmlns:p="http://schemas.openxmlformats.org/presentationml/2006/main">
+  <p:cSld>
+    <p:spTree>
+      <p:nvGrpSpPr>
+        <p:cNvPr id="1" name=""/>
+        <p:cNvGrpSpPr/>
+        <p:nvPr/>
+      </p:nvGrpSpPr>
+      <p:grpSpPr>
+        <a:xfrm>
+          <a:off x="0" y="0"/>
+          <a:ext cx="0" cy="0"/>
+          <a:chOff x="0" y="0"/>
+          <a:chExt cx="0" cy="0"/>
+        </a:xfrm>
+      </p:grpSpPr>
+      <p:sp>
+        <p:nvSpPr>
+          <p:cNvPr id="3" name="Content Placeholder 2"/>
+          <p:cNvSpPr>
+            <a:spLocks noGrp="1"/>
+          </p:cNvSpPr>
+          <p:nvPr>
+            <p:ph idx="1"/>
+          </p:nvPr>
+        </p:nvSpPr>
+        <p:spPr>
+          <a:xfrm>
+            <a:off x="838200" y="1644470"/>
+            <a:ext cx="10515600" cy="4351338"/>
+          </a:xfrm>
+        </p:spPr>
+        <p:txBody>
+          <a:bodyPr/>
+          <a:lstStyle/>
+          <a:p>
+            <a:endParaRPr lang="en-GB" dirty="0"/>
+          </a:p>
+          <a:p>
+            <a:endParaRPr lang="en-GB" dirty="0"/>
+          </a:p>
+        </p:txBody>
+      </p:sp>
+      <p:sp>
+        <p:nvSpPr>
+          <p:cNvPr id="4" name="TextBox 3"/>
+          <p:cNvSpPr txBox="1"/>
+          <p:nvPr/>
+        </p:nvSpPr>
+        <p:spPr>
+          <a:xfrm>
+            <a:off x="1633268" y="267419"/>
+            <a:ext cx="10705381" cy="769441"/>
+          </a:xfrm>
+          <a:prstGeom prst="rect">
+            <a:avLst/>
+          </a:prstGeom>
+          <a:noFill/>
+        </p:spPr>
+        <p:txBody>
+          <a:bodyPr wrap="square" rtlCol="0">
+            <a:spAutoFit/>
+          </a:bodyPr>
+          <a:lstStyle/>
+          <a:p>
+            <a:r>
+              <a:rPr lang="en-GB" sz="4400" b="1" dirty="0" smtClean="0">
+                <a:latin typeface="+mj-lt"/>
+              </a:rPr>
+              <a:t>How Findings Apply to Working Practice</a:t>
+            </a:r>
+            <a:endParaRPr lang="en-GB" sz="4400" b="1" dirty="0">
+              <a:latin typeface="+mj-lt"/>
+            </a:endParaRPr>
+          </a:p>
+        </p:txBody>
+      </p:sp>
+      <p:sp>
+        <p:nvSpPr>
+          <p:cNvPr id="6" name="TextBox 5"/>
+          <p:cNvSpPr txBox="1"/>
+          <p:nvPr/>
+        </p:nvSpPr>
+        <p:spPr>
+          <a:xfrm>
+            <a:off x="1181819" y="1647645"/>
+            <a:ext cx="9980762" cy="6186309"/>
+          </a:xfrm>
+          <a:prstGeom prst="rect">
+            <a:avLst/>
+          </a:prstGeom>
+          <a:noFill/>
+        </p:spPr>
+        <p:txBody>
+          <a:bodyPr wrap="square" rtlCol="0">
+            <a:spAutoFit/>
+          </a:bodyPr>
+          <a:lstStyle/>
+          <a:p>
+            <a:pPr algn="ctr"/>
+            <a:r>
+              <a:rPr lang="en-GB" sz="3600" b="1" dirty="0" smtClean="0"/>
+              <a:t>Be more mindful of how User Stories are distributed amongst team members</a:t>
+            </a:r>
+          </a:p>
+          <a:p>
+            <a:pPr algn="ctr"/>
+            <a:r>
+              <a:rPr lang="en-GB" sz="3600" b="1" dirty="0" smtClean="0"/>
+              <a:t>Look more carefully at how I construct User stories in projects I take part in.</a:t>
+            </a:r>
+          </a:p>
+          <a:p>
+            <a:pPr algn="ctr"/>
+            <a:r>
+              <a:rPr lang="en-GB" sz="3600" b="1" dirty="0" smtClean="0"/>
+              <a:t>Employ existing US Construction methods that I find to be effective</a:t>
+            </a:r>
+          </a:p>
+          <a:p>
+            <a:pPr algn="ctr"/>
+            <a:endParaRPr lang="en-GB" sz="3600" b="1" dirty="0" smtClean="0"/>
+          </a:p>
+          <a:p>
+            <a:pPr algn="ctr"/>
+            <a:endParaRPr lang="en-GB" sz="3600" b="1" dirty="0" smtClean="0"/>
+          </a:p>
+          <a:p>
+            <a:pPr algn="ctr"/>
+            <a:endParaRPr lang="en-GB" sz="3600" b="1" dirty="0" smtClean="0"/>
+          </a:p>
+          <a:p>
+            <a:pPr algn="ctr"/>
+            <a:endParaRPr lang="en-GB" sz="3600" b="1" dirty="0" smtClean="0"/>
+          </a:p>
+          <a:p>
+            <a:pPr algn="ctr"/>
+            <a:endParaRPr lang="en-GB" sz="3600" b="1" dirty="0"/>
+          </a:p>
+        </p:txBody>
+      </p:sp>
+    </p:spTree>
+    <p:extLst>
+      <p:ext uri="{BB962C8B-B14F-4D97-AF65-F5344CB8AC3E}">
+        <p14:creationId xmlns:p14="http://schemas.microsoft.com/office/powerpoint/2010/main" val="1433439029"/>
       </p:ext>
     </p:extLst>
   </p:cSld>
@@ -3051,94 +4141,129 @@
           <a:lstStyle/>
           <a:p>
             <a:r>
+              <a:rPr lang="en-GB" dirty="0" smtClean="0"/>
+              <a:t>Agile &amp; Morale</a:t>
+            </a:r>
+            <a:endParaRPr lang="en-GB" dirty="0"/>
+          </a:p>
+        </p:txBody>
+      </p:sp>
+      <p:sp>
+        <p:nvSpPr>
+          <p:cNvPr id="3" name="Content Placeholder 2"/>
+          <p:cNvSpPr>
+            <a:spLocks noGrp="1"/>
+          </p:cNvSpPr>
+          <p:nvPr>
+            <p:ph idx="1"/>
+          </p:nvPr>
+        </p:nvSpPr>
+        <p:spPr/>
+        <p:txBody>
+          <a:bodyPr>
+            <a:normAutofit lnSpcReduction="10000"/>
+          </a:bodyPr>
+          <a:lstStyle/>
+          <a:p>
+            <a:pPr marL="0" indent="0">
+              <a:buNone/>
+            </a:pPr>
+            <a:r>
               <a:rPr lang="en-GB" dirty="0"/>
-              <a:t>Test cycles	</a:t>
-            </a:r>
-          </a:p>
-        </p:txBody>
-      </p:sp>
-      <p:sp>
-        <p:nvSpPr>
-          <p:cNvPr id="3" name="Content Placeholder 2"/>
-          <p:cNvSpPr>
-            <a:spLocks noGrp="1"/>
-          </p:cNvSpPr>
-          <p:nvPr>
-            <p:ph idx="1"/>
-          </p:nvPr>
-        </p:nvSpPr>
-        <p:spPr/>
-        <p:txBody>
-          <a:bodyPr>
-            <a:normAutofit fontScale="92500" lnSpcReduction="10000"/>
-          </a:bodyPr>
-          <a:lstStyle/>
-          <a:p>
-            <a:r>
-              <a:rPr lang="en-GB" dirty="0"/>
-              <a:t>Everyday a company aims for at least one or more </a:t>
-            </a:r>
-          </a:p>
-          <a:p>
-            <a:r>
-              <a:rPr lang="en-GB" dirty="0"/>
-              <a:t>Design-Code-Test </a:t>
-            </a:r>
-          </a:p>
-          <a:p>
+              <a:t>Improving Software Process in Agile Software Development Projects: Results from Two XP Case </a:t>
+            </a:r>
+            <a:r>
+              <a:rPr lang="en-GB" dirty="0" smtClean="0"/>
+              <a:t>Studies - </a:t>
+            </a:r>
             <a:r>
               <a:rPr lang="en-GB" dirty="0">
                 <a:hlinkClick r:id="rId2"/>
               </a:rPr>
-              <a:t>http://ieeexplore.ieee.org.ezproxy.falmouth.ac.uk/document/1201204/</a:t>
-            </a:r>
-            <a:endParaRPr lang="en-GB" dirty="0"/>
-          </a:p>
-          <a:p>
-            <a:r>
-              <a:rPr lang="en-GB" b="1" dirty="0"/>
-              <a:t>New directions on agile methods: a comparative analysis</a:t>
-            </a:r>
-          </a:p>
-          <a:p>
+              <a:t>https://</a:t>
+            </a:r>
+            <a:r>
+              <a:rPr lang="en-GB" dirty="0" smtClean="0">
+                <a:hlinkClick r:id="rId2"/>
+              </a:rPr>
+              <a:t>www.computer.org/csdl/proceedings/euromicro/2004/2199/00/21990310.pdf</a:t>
+            </a:r>
+            <a:endParaRPr lang="en-GB" dirty="0" smtClean="0"/>
+          </a:p>
+          <a:p>
+            <a:pPr marL="0" indent="0">
+              <a:buNone/>
+            </a:pPr>
+            <a:r>
+              <a:rPr lang="en-GB" dirty="0" smtClean="0"/>
+              <a:t>Scrum </a:t>
+            </a:r>
+            <a:r>
+              <a:rPr lang="en-GB" dirty="0"/>
+              <a:t>+ Engineering Practices: Experiences of Three Microsoft </a:t>
+            </a:r>
+            <a:r>
+              <a:rPr lang="en-GB" dirty="0" smtClean="0"/>
+              <a:t>Teams - </a:t>
+            </a:r>
             <a:r>
               <a:rPr lang="en-GB" dirty="0">
                 <a:hlinkClick r:id="rId3"/>
               </a:rPr>
-              <a:t>http://www.danube.com/docs/Intro_to_Agile.pdf</a:t>
-            </a:r>
-            <a:endParaRPr lang="en-GB" dirty="0"/>
-          </a:p>
-          <a:p>
+              <a:t>http://ieeexplore.ieee.org.ezproxy.falmouth.ac.uk/document/6092605</a:t>
+            </a:r>
+            <a:r>
+              <a:rPr lang="en-GB" dirty="0" smtClean="0">
+                <a:hlinkClick r:id="rId3"/>
+              </a:rPr>
+              <a:t>/</a:t>
+            </a:r>
+            <a:r>
+              <a:rPr lang="en-GB" dirty="0" smtClean="0"/>
+              <a:t> </a:t>
+            </a:r>
+          </a:p>
+          <a:p>
+            <a:pPr marL="0" indent="0">
+              <a:buNone/>
+            </a:pPr>
             <a:r>
               <a:rPr lang="en-GB" dirty="0"/>
-              <a:t>Intro to agile explains about test cycles more in depth.</a:t>
-            </a:r>
-          </a:p>
-          <a:p>
-            <a:r>
-              <a:rPr lang="en-GB" u="sng" dirty="0">
+              <a:t>Team Performance in Software Development: Research Results versus Agile </a:t>
+            </a:r>
+            <a:r>
+              <a:rPr lang="en-GB" dirty="0" smtClean="0"/>
+              <a:t>Principles - </a:t>
+            </a:r>
+            <a:r>
+              <a:rPr lang="en-GB" dirty="0">
                 <a:hlinkClick r:id="rId4"/>
               </a:rPr>
-              <a:t>https://books.google.co.uk/books?hl=en&amp;lr=&amp;id=i39yimbrzh4C&amp;oi=fnd&amp;pg=PT15&amp;dq=agile+game+development+loops&amp;ots=Y6Y1a3W38Z&amp;sig=dWxJyDC6lhkYv1Ufuh0zU6dFidU#v=onepage&amp;q&amp;f=false</a:t>
-            </a:r>
-            <a:endParaRPr lang="en-GB" dirty="0"/>
-          </a:p>
-          <a:p>
-            <a:r>
-              <a:rPr lang="en-GB" dirty="0"/>
-              <a:t>Has a section on process of cycles but don’t currently have access to.</a:t>
-            </a:r>
-          </a:p>
-          <a:p>
-            <a:endParaRPr lang="en-GB" dirty="0"/>
+              <a:t>http://ieeexplore.ieee.org.ezproxy.falmouth.ac.uk/document/7498535</a:t>
+            </a:r>
+            <a:r>
+              <a:rPr lang="en-GB" dirty="0" smtClean="0">
+                <a:hlinkClick r:id="rId4"/>
+              </a:rPr>
+              <a:t>/</a:t>
+            </a:r>
+            <a:r>
+              <a:rPr lang="en-GB" dirty="0" smtClean="0"/>
+              <a:t> </a:t>
+            </a:r>
+          </a:p>
+          <a:p>
+            <a:pPr marL="0" indent="0">
+              <a:buNone/>
+            </a:pPr>
+            <a:endParaRPr lang="en-GB" dirty="0" smtClean="0"/>
           </a:p>
         </p:txBody>
       </p:sp>
     </p:spTree>
     <p:extLst>
       <p:ext uri="{BB962C8B-B14F-4D97-AF65-F5344CB8AC3E}">
-        <p14:creationId xmlns:p14="http://schemas.microsoft.com/office/powerpoint/2010/main" val="3977857130"/>
+        <p14:creationId xmlns:p14="http://schemas.microsoft.com/office/powerpoint/2010/main" val="4110850965"/>
       </p:ext>
     </p:extLst>
   </p:cSld>
@@ -3181,9 +4306,10 @@
           <a:lstStyle/>
           <a:p>
             <a:r>
-              <a:rPr lang="en-GB" dirty="0"/>
-              <a:t>Effects </a:t>
-            </a:r>
+              <a:rPr lang="en-GB" dirty="0" smtClean="0"/>
+              <a:t>Essay Objectives</a:t>
+            </a:r>
+            <a:endParaRPr lang="en-GB" dirty="0"/>
           </a:p>
         </p:txBody>
       </p:sp>
@@ -3197,46 +4323,70 @@
             <p:ph idx="1"/>
           </p:nvPr>
         </p:nvSpPr>
-        <p:spPr/>
-        <p:txBody>
-          <a:bodyPr/>
-          <a:lstStyle/>
-          <a:p>
-            <a:r>
-              <a:rPr lang="en-GB" dirty="0"/>
-              <a:t>By having more than one are you forcing this?</a:t>
-            </a:r>
-          </a:p>
-          <a:p>
-            <a:r>
-              <a:rPr lang="en-GB" dirty="0"/>
-              <a:t>Will it make parts of the team cut corners and lower quality because they are aiming for so many test cycles?</a:t>
-            </a:r>
-          </a:p>
-          <a:p>
-            <a:r>
-              <a:rPr lang="en-GB" dirty="0"/>
-              <a:t>Is this beneficial to a team as different areas in game development can take more time than others?</a:t>
-            </a:r>
-          </a:p>
-          <a:p>
-            <a:r>
-              <a:rPr lang="en-GB" dirty="0"/>
-              <a:t>Is running more than one cycle beneficial to spot errors more quickly or does it hinder the teams progress?</a:t>
-            </a:r>
-          </a:p>
-          <a:p>
-            <a:endParaRPr lang="en-GB" dirty="0"/>
-          </a:p>
-          <a:p>
-            <a:endParaRPr lang="en-GB" dirty="0"/>
+        <p:spPr>
+          <a:xfrm>
+            <a:off x="838200" y="1501428"/>
+            <a:ext cx="10515600" cy="4351338"/>
+          </a:xfrm>
+        </p:spPr>
+        <p:txBody>
+          <a:bodyPr>
+            <a:normAutofit/>
+          </a:bodyPr>
+          <a:lstStyle/>
+          <a:p>
+            <a:pPr marL="0" indent="0">
+              <a:buNone/>
+            </a:pPr>
+            <a:r>
+              <a:rPr lang="en-GB" sz="2400" dirty="0" smtClean="0"/>
+              <a:t>Through my research I hope to explore how the various Agile development practices can impact the morale/motivation of team members, in the following </a:t>
+            </a:r>
+            <a:r>
+              <a:rPr lang="en-GB" sz="2400" smtClean="0"/>
+              <a:t>areas:</a:t>
+            </a:r>
+          </a:p>
+          <a:p>
+            <a:pPr marL="0" indent="0">
+              <a:buNone/>
+            </a:pPr>
+            <a:endParaRPr lang="en-GB" sz="2400" dirty="0"/>
+          </a:p>
+          <a:p>
+            <a:r>
+              <a:rPr lang="en-GB" sz="2400" dirty="0"/>
+              <a:t>Initial Creation of User </a:t>
+            </a:r>
+            <a:r>
+              <a:rPr lang="en-GB" sz="2400" dirty="0" smtClean="0"/>
+              <a:t>stories</a:t>
+            </a:r>
+          </a:p>
+          <a:p>
+            <a:r>
+              <a:rPr lang="en-GB" sz="2400" dirty="0" smtClean="0"/>
+              <a:t>Work distribution though the use of User stories</a:t>
+            </a:r>
+          </a:p>
+          <a:p>
+            <a:r>
+              <a:rPr lang="en-GB" sz="2400" dirty="0" smtClean="0"/>
+              <a:t>Sprints and their reflective meetings</a:t>
+            </a:r>
+          </a:p>
+          <a:p>
+            <a:pPr marL="0" indent="0">
+              <a:buNone/>
+            </a:pPr>
+            <a:endParaRPr lang="en-GB" sz="2400" dirty="0" smtClean="0"/>
           </a:p>
         </p:txBody>
       </p:sp>
     </p:spTree>
     <p:extLst>
       <p:ext uri="{BB962C8B-B14F-4D97-AF65-F5344CB8AC3E}">
-        <p14:creationId xmlns:p14="http://schemas.microsoft.com/office/powerpoint/2010/main" val="3606958153"/>
+        <p14:creationId xmlns:p14="http://schemas.microsoft.com/office/powerpoint/2010/main" val="3359830586"/>
       </p:ext>
     </p:extLst>
   </p:cSld>
@@ -3273,58 +4423,525 @@
             <p:ph type="title"/>
           </p:nvPr>
         </p:nvSpPr>
-        <p:spPr/>
+        <p:spPr>
+          <a:xfrm>
+            <a:off x="1029392" y="2484870"/>
+            <a:ext cx="10515600" cy="1455362"/>
+          </a:xfrm>
+        </p:spPr>
+        <p:txBody>
+          <a:bodyPr>
+            <a:normAutofit fontScale="90000"/>
+          </a:bodyPr>
+          <a:lstStyle/>
+          <a:p>
+            <a:r>
+              <a:rPr lang="en-GB" dirty="0" smtClean="0"/>
+              <a:t>Can the agile principles be useful tools for university lecturers to facilitate learning in their courses?</a:t>
+            </a:r>
+            <a:endParaRPr lang="en-GB" dirty="0"/>
+          </a:p>
+        </p:txBody>
+      </p:sp>
+    </p:spTree>
+    <p:extLst>
+      <p:ext uri="{BB962C8B-B14F-4D97-AF65-F5344CB8AC3E}">
+        <p14:creationId xmlns:p14="http://schemas.microsoft.com/office/powerpoint/2010/main" val="3273348273"/>
+      </p:ext>
+    </p:extLst>
+  </p:cSld>
+  <p:clrMapOvr>
+    <a:masterClrMapping/>
+  </p:clrMapOvr>
+</p:sld>
+</file>
+
+<file path=ppt/slides/slide5.xml><?xml version="1.0" encoding="utf-8"?>
+<p:sld xmlns:a="http://schemas.openxmlformats.org/drawingml/2006/main" xmlns:r="http://schemas.openxmlformats.org/officeDocument/2006/relationships" xmlns:p="http://schemas.openxmlformats.org/presentationml/2006/main">
+  <p:cSld>
+    <p:spTree>
+      <p:nvGrpSpPr>
+        <p:cNvPr id="1" name=""/>
+        <p:cNvGrpSpPr/>
+        <p:nvPr/>
+      </p:nvGrpSpPr>
+      <p:grpSpPr>
+        <a:xfrm>
+          <a:off x="0" y="0"/>
+          <a:ext cx="0" cy="0"/>
+          <a:chOff x="0" y="0"/>
+          <a:chExt cx="0" cy="0"/>
+        </a:xfrm>
+      </p:grpSpPr>
+      <p:sp>
+        <p:nvSpPr>
+          <p:cNvPr id="3" name="Content Placeholder 2"/>
+          <p:cNvSpPr>
+            <a:spLocks noGrp="1"/>
+          </p:cNvSpPr>
+          <p:nvPr>
+            <p:ph idx="1"/>
+          </p:nvPr>
+        </p:nvSpPr>
+        <p:spPr>
+          <a:xfrm>
+            <a:off x="813262" y="686781"/>
+            <a:ext cx="10515600" cy="5564390"/>
+          </a:xfrm>
+        </p:spPr>
         <p:txBody>
           <a:bodyPr/>
           <a:lstStyle/>
           <a:p>
             <a:r>
               <a:rPr lang="en-GB" dirty="0"/>
-              <a:t>Other sources </a:t>
-            </a:r>
-          </a:p>
-        </p:txBody>
-      </p:sp>
-      <p:sp>
-        <p:nvSpPr>
-          <p:cNvPr id="3" name="Content Placeholder 2"/>
-          <p:cNvSpPr>
-            <a:spLocks noGrp="1"/>
-          </p:cNvSpPr>
-          <p:nvPr>
-            <p:ph idx="1"/>
-          </p:nvPr>
-        </p:nvSpPr>
-        <p:spPr/>
-        <p:txBody>
-          <a:bodyPr/>
-          <a:lstStyle/>
-          <a:p>
-            <a:r>
-              <a:rPr lang="en-GB" u="sng" dirty="0">
+              <a:t>On the Integration of Agile Practices into Teaching: an approach to overcoming teaching and learning challenges of </a:t>
+            </a:r>
+            <a:r>
+              <a:rPr lang="en-GB" dirty="0" smtClean="0"/>
+              <a:t>programming</a:t>
+            </a:r>
+          </a:p>
+          <a:p>
+            <a:r>
+              <a:rPr lang="en-GB" dirty="0">
                 <a:hlinkClick r:id="rId2"/>
               </a:rPr>
-              <a:t>http://www.tandfonline.com/doi/abs/10.1201/1078.10580530/46108.23.3.20060601/93703.2?journalCode=uism20</a:t>
-            </a:r>
+              <a:t>http://</a:t>
+            </a:r>
+            <a:r>
+              <a:rPr lang="en-GB" dirty="0" smtClean="0">
+                <a:hlinkClick r:id="rId2"/>
+              </a:rPr>
+              <a:t>ieeexplore.ieee.org.ezproxy.falmouth.ac.uk/stamp/stamp.jsp?arnumber=7424100</a:t>
+            </a:r>
+            <a:endParaRPr lang="en-GB" dirty="0" smtClean="0"/>
+          </a:p>
+          <a:p>
             <a:endParaRPr lang="en-GB" dirty="0"/>
           </a:p>
           <a:p>
             <a:r>
-              <a:rPr lang="en-GB" u="sng" dirty="0">
+              <a:rPr lang="en-GB" b="1" dirty="0"/>
+              <a:t>The agility of agile methodology for teaching and learning activities</a:t>
+            </a:r>
+          </a:p>
+          <a:p>
+            <a:r>
+              <a:rPr lang="en-GB" dirty="0">
                 <a:hlinkClick r:id="rId3"/>
               </a:rPr>
-              <a:t>https://arxiv.org/abs/1409.6610</a:t>
-            </a:r>
+              <a:t>http://ieeexplore.ieee.org.ezproxy.falmouth.ac.uk/document/6986024</a:t>
+            </a:r>
+            <a:r>
+              <a:rPr lang="en-GB" dirty="0" smtClean="0">
+                <a:hlinkClick r:id="rId3"/>
+              </a:rPr>
+              <a:t>/</a:t>
+            </a:r>
+            <a:endParaRPr lang="en-GB" dirty="0" smtClean="0"/>
+          </a:p>
+          <a:p>
+            <a:r>
+              <a:rPr lang="en-GB" b="1" dirty="0"/>
+              <a:t>The agility of agile methodology for teaching and learning activities</a:t>
+            </a:r>
+          </a:p>
+          <a:p>
+            <a:r>
+              <a:rPr lang="en-GB" dirty="0">
+                <a:hlinkClick r:id="rId3"/>
+              </a:rPr>
+              <a:t>http://ieeexplore.ieee.org.ezproxy.falmouth.ac.uk/document/6986024</a:t>
+            </a:r>
+            <a:r>
+              <a:rPr lang="en-GB" dirty="0" smtClean="0">
+                <a:hlinkClick r:id="rId3"/>
+              </a:rPr>
+              <a:t>/</a:t>
+            </a:r>
+            <a:endParaRPr lang="en-GB" dirty="0" smtClean="0"/>
+          </a:p>
+          <a:p>
             <a:endParaRPr lang="en-GB" dirty="0"/>
+          </a:p>
+        </p:txBody>
+      </p:sp>
+    </p:spTree>
+    <p:extLst>
+      <p:ext uri="{BB962C8B-B14F-4D97-AF65-F5344CB8AC3E}">
+        <p14:creationId xmlns:p14="http://schemas.microsoft.com/office/powerpoint/2010/main" val="769226051"/>
+      </p:ext>
+    </p:extLst>
+  </p:cSld>
+  <p:clrMapOvr>
+    <a:masterClrMapping/>
+  </p:clrMapOvr>
+</p:sld>
+</file>
+
+<file path=ppt/slides/slide6.xml><?xml version="1.0" encoding="utf-8"?>
+<p:sld xmlns:a="http://schemas.openxmlformats.org/drawingml/2006/main" xmlns:r="http://schemas.openxmlformats.org/officeDocument/2006/relationships" xmlns:p="http://schemas.openxmlformats.org/presentationml/2006/main">
+  <p:cSld>
+    <p:spTree>
+      <p:nvGrpSpPr>
+        <p:cNvPr id="1" name=""/>
+        <p:cNvGrpSpPr/>
+        <p:nvPr/>
+      </p:nvGrpSpPr>
+      <p:grpSpPr>
+        <a:xfrm>
+          <a:off x="0" y="0"/>
+          <a:ext cx="0" cy="0"/>
+          <a:chOff x="0" y="0"/>
+          <a:chExt cx="0" cy="0"/>
+        </a:xfrm>
+      </p:grpSpPr>
+      <p:sp>
+        <p:nvSpPr>
+          <p:cNvPr id="3" name="Content Placeholder 2"/>
+          <p:cNvSpPr>
+            <a:spLocks noGrp="1"/>
+          </p:cNvSpPr>
+          <p:nvPr>
+            <p:ph idx="1"/>
+          </p:nvPr>
+        </p:nvSpPr>
+        <p:spPr>
+          <a:xfrm>
+            <a:off x="838200" y="299258"/>
+            <a:ext cx="10515600" cy="5877705"/>
+          </a:xfrm>
+        </p:spPr>
+        <p:txBody>
+          <a:bodyPr/>
+          <a:lstStyle/>
+          <a:p>
+            <a:r>
+              <a:rPr lang="en-GB" dirty="0" smtClean="0"/>
+              <a:t>Could the agile principles help improve the students perception of the course?</a:t>
+            </a:r>
+          </a:p>
+          <a:p>
+            <a:r>
+              <a:rPr lang="en-GB" dirty="0" smtClean="0"/>
+              <a:t>Could implementing the agile principles into a lecturers teaching help improve the organisation of the course?</a:t>
+            </a:r>
+          </a:p>
+          <a:p>
+            <a:r>
+              <a:rPr lang="en-GB" dirty="0" smtClean="0"/>
+              <a:t>Could the agile principles help improve students understanding of the subject?</a:t>
+            </a:r>
+          </a:p>
+          <a:p>
+            <a:r>
+              <a:rPr lang="en-GB" dirty="0" smtClean="0"/>
+              <a:t>Could the agile principles help to improve communication between members of the same faculty.</a:t>
+            </a:r>
+          </a:p>
+          <a:p>
+            <a:r>
+              <a:rPr lang="en-GB" dirty="0" smtClean="0"/>
+              <a:t>Could the agile principles help to improve </a:t>
+            </a:r>
+            <a:r>
+              <a:rPr lang="en-GB" dirty="0" err="1" smtClean="0"/>
+              <a:t>iinterfaculty</a:t>
+            </a:r>
+            <a:r>
+              <a:rPr lang="en-GB" dirty="0" smtClean="0"/>
+              <a:t> communication? </a:t>
+            </a:r>
+          </a:p>
+          <a:p>
+            <a:endParaRPr lang="en-GB" dirty="0"/>
+          </a:p>
+        </p:txBody>
+      </p:sp>
+    </p:spTree>
+    <p:extLst>
+      <p:ext uri="{BB962C8B-B14F-4D97-AF65-F5344CB8AC3E}">
+        <p14:creationId xmlns:p14="http://schemas.microsoft.com/office/powerpoint/2010/main" val="1826094906"/>
+      </p:ext>
+    </p:extLst>
+  </p:cSld>
+  <p:clrMapOvr>
+    <a:masterClrMapping/>
+  </p:clrMapOvr>
+</p:sld>
+</file>
+
+<file path=ppt/slides/slide7.xml><?xml version="1.0" encoding="utf-8"?>
+<p:sld xmlns:a="http://schemas.openxmlformats.org/drawingml/2006/main" xmlns:r="http://schemas.openxmlformats.org/officeDocument/2006/relationships" xmlns:p="http://schemas.openxmlformats.org/presentationml/2006/main">
+  <p:cSld>
+    <p:spTree>
+      <p:nvGrpSpPr>
+        <p:cNvPr id="1" name=""/>
+        <p:cNvGrpSpPr/>
+        <p:nvPr/>
+      </p:nvGrpSpPr>
+      <p:grpSpPr>
+        <a:xfrm>
+          <a:off x="0" y="0"/>
+          <a:ext cx="0" cy="0"/>
+          <a:chOff x="0" y="0"/>
+          <a:chExt cx="0" cy="0"/>
+        </a:xfrm>
+      </p:grpSpPr>
+      <p:sp>
+        <p:nvSpPr>
+          <p:cNvPr id="2" name="Title 1"/>
+          <p:cNvSpPr>
+            <a:spLocks noGrp="1"/>
+          </p:cNvSpPr>
+          <p:nvPr>
+            <p:ph type="title"/>
+          </p:nvPr>
+        </p:nvSpPr>
+        <p:spPr/>
+        <p:txBody>
+          <a:bodyPr/>
+          <a:lstStyle/>
+          <a:p>
+            <a:r>
+              <a:rPr lang="en-GB" dirty="0" smtClean="0"/>
+              <a:t>Outcomes</a:t>
+            </a:r>
+            <a:endParaRPr lang="en-GB" dirty="0"/>
+          </a:p>
+        </p:txBody>
+      </p:sp>
+      <p:sp>
+        <p:nvSpPr>
+          <p:cNvPr id="3" name="Content Placeholder 2"/>
+          <p:cNvSpPr>
+            <a:spLocks noGrp="1"/>
+          </p:cNvSpPr>
+          <p:nvPr>
+            <p:ph idx="1"/>
+          </p:nvPr>
+        </p:nvSpPr>
+        <p:spPr/>
+        <p:txBody>
+          <a:bodyPr/>
+          <a:lstStyle/>
+          <a:p>
+            <a:r>
+              <a:rPr lang="en-GB" dirty="0" smtClean="0"/>
+              <a:t>Deeper understanding of the agile principles</a:t>
+            </a:r>
+          </a:p>
+          <a:p>
+            <a:r>
+              <a:rPr lang="en-GB" dirty="0" smtClean="0"/>
+              <a:t>If I can have a deeper understanding of the agile principles within teaching, then it will be easier for me to critique others and help others improve.</a:t>
+            </a:r>
+          </a:p>
+          <a:p>
+            <a:r>
+              <a:rPr lang="en-GB" dirty="0" smtClean="0"/>
+              <a:t>If I can help others improve then I can focus on improving my own work in the </a:t>
+            </a:r>
+            <a:r>
+              <a:rPr lang="en-GB" smtClean="0"/>
+              <a:t>same way.</a:t>
+            </a:r>
+            <a:endParaRPr lang="en-GB"/>
+          </a:p>
+        </p:txBody>
+      </p:sp>
+    </p:spTree>
+    <p:extLst>
+      <p:ext uri="{BB962C8B-B14F-4D97-AF65-F5344CB8AC3E}">
+        <p14:creationId xmlns:p14="http://schemas.microsoft.com/office/powerpoint/2010/main" val="814501975"/>
+      </p:ext>
+    </p:extLst>
+  </p:cSld>
+  <p:clrMapOvr>
+    <a:masterClrMapping/>
+  </p:clrMapOvr>
+</p:sld>
+</file>
+
+<file path=ppt/slides/slide8.xml><?xml version="1.0" encoding="utf-8"?>
+<p:sld xmlns:a="http://schemas.openxmlformats.org/drawingml/2006/main" xmlns:r="http://schemas.openxmlformats.org/officeDocument/2006/relationships" xmlns:p="http://schemas.openxmlformats.org/presentationml/2006/main">
+  <p:cSld>
+    <p:spTree>
+      <p:nvGrpSpPr>
+        <p:cNvPr id="1" name=""/>
+        <p:cNvGrpSpPr/>
+        <p:nvPr/>
+      </p:nvGrpSpPr>
+      <p:grpSpPr>
+        <a:xfrm>
+          <a:off x="0" y="0"/>
+          <a:ext cx="0" cy="0"/>
+          <a:chOff x="0" y="0"/>
+          <a:chExt cx="0" cy="0"/>
+        </a:xfrm>
+      </p:grpSpPr>
+      <p:sp>
+        <p:nvSpPr>
+          <p:cNvPr id="2" name="Title 1"/>
+          <p:cNvSpPr>
+            <a:spLocks noGrp="1"/>
+          </p:cNvSpPr>
+          <p:nvPr>
+            <p:ph type="ctrTitle"/>
+          </p:nvPr>
+        </p:nvSpPr>
+        <p:spPr>
+          <a:xfrm>
+            <a:off x="1459832" y="3143669"/>
+            <a:ext cx="9144000" cy="2387600"/>
+          </a:xfrm>
+        </p:spPr>
+        <p:txBody>
+          <a:bodyPr>
+            <a:normAutofit fontScale="90000"/>
+          </a:bodyPr>
+          <a:lstStyle/>
+          <a:p>
+            <a:r>
+              <a:rPr lang="en-GB" dirty="0" smtClean="0"/>
+              <a:t>Does the frequency of test cycles influent productivity of agile </a:t>
+            </a:r>
+            <a:r>
+              <a:rPr lang="en-GB" dirty="0"/>
+              <a:t>game development?</a:t>
+            </a:r>
+            <a:br>
+              <a:rPr lang="en-GB" dirty="0"/>
+            </a:br>
+            <a:endParaRPr lang="en-GB" dirty="0"/>
+          </a:p>
+        </p:txBody>
+      </p:sp>
+    </p:spTree>
+    <p:extLst>
+      <p:ext uri="{BB962C8B-B14F-4D97-AF65-F5344CB8AC3E}">
+        <p14:creationId xmlns:p14="http://schemas.microsoft.com/office/powerpoint/2010/main" val="3229191298"/>
+      </p:ext>
+    </p:extLst>
+  </p:cSld>
+  <p:clrMapOvr>
+    <a:masterClrMapping/>
+  </p:clrMapOvr>
+</p:sld>
+</file>
+
+<file path=ppt/slides/slide9.xml><?xml version="1.0" encoding="utf-8"?>
+<p:sld xmlns:a="http://schemas.openxmlformats.org/drawingml/2006/main" xmlns:r="http://schemas.openxmlformats.org/officeDocument/2006/relationships" xmlns:p="http://schemas.openxmlformats.org/presentationml/2006/main">
+  <p:cSld>
+    <p:spTree>
+      <p:nvGrpSpPr>
+        <p:cNvPr id="1" name=""/>
+        <p:cNvGrpSpPr/>
+        <p:nvPr/>
+      </p:nvGrpSpPr>
+      <p:grpSpPr>
+        <a:xfrm>
+          <a:off x="0" y="0"/>
+          <a:ext cx="0" cy="0"/>
+          <a:chOff x="0" y="0"/>
+          <a:chExt cx="0" cy="0"/>
+        </a:xfrm>
+      </p:grpSpPr>
+      <p:sp>
+        <p:nvSpPr>
+          <p:cNvPr id="2" name="Title 1"/>
+          <p:cNvSpPr>
+            <a:spLocks noGrp="1"/>
+          </p:cNvSpPr>
+          <p:nvPr>
+            <p:ph type="title"/>
+          </p:nvPr>
+        </p:nvSpPr>
+        <p:spPr/>
+        <p:txBody>
+          <a:bodyPr/>
+          <a:lstStyle/>
+          <a:p>
+            <a:r>
+              <a:rPr lang="en-GB" dirty="0"/>
+              <a:t>Test cycles	</a:t>
+            </a:r>
+          </a:p>
+        </p:txBody>
+      </p:sp>
+      <p:sp>
+        <p:nvSpPr>
+          <p:cNvPr id="3" name="Content Placeholder 2"/>
+          <p:cNvSpPr>
+            <a:spLocks noGrp="1"/>
+          </p:cNvSpPr>
+          <p:nvPr>
+            <p:ph idx="1"/>
+          </p:nvPr>
+        </p:nvSpPr>
+        <p:spPr/>
+        <p:txBody>
+          <a:bodyPr>
+            <a:normAutofit fontScale="92500" lnSpcReduction="10000"/>
+          </a:bodyPr>
+          <a:lstStyle/>
+          <a:p>
+            <a:r>
+              <a:rPr lang="en-GB" dirty="0"/>
+              <a:t>Everyday a company aims for at least one or more </a:t>
+            </a:r>
+          </a:p>
+          <a:p>
+            <a:r>
+              <a:rPr lang="en-GB" dirty="0"/>
+              <a:t>Design-Code-Test </a:t>
+            </a:r>
+          </a:p>
+          <a:p>
+            <a:r>
+              <a:rPr lang="en-GB" dirty="0">
+                <a:hlinkClick r:id="rId2"/>
+              </a:rPr>
+              <a:t>http://ieeexplore.ieee.org.ezproxy.falmouth.ac.uk/document/1201204/</a:t>
+            </a:r>
+            <a:endParaRPr lang="en-GB" dirty="0"/>
+          </a:p>
+          <a:p>
+            <a:r>
+              <a:rPr lang="en-GB" b="1" dirty="0"/>
+              <a:t>New directions on agile methods: a comparative analysis</a:t>
+            </a:r>
+          </a:p>
+          <a:p>
+            <a:r>
+              <a:rPr lang="en-GB" dirty="0">
+                <a:hlinkClick r:id="rId3"/>
+              </a:rPr>
+              <a:t>http://www.danube.com/docs/Intro_to_Agile.pdf</a:t>
+            </a:r>
+            <a:endParaRPr lang="en-GB" dirty="0"/>
+          </a:p>
+          <a:p>
+            <a:r>
+              <a:rPr lang="en-GB" dirty="0"/>
+              <a:t>Intro to agile explains about test cycles more in depth.</a:t>
+            </a:r>
           </a:p>
           <a:p>
             <a:r>
               <a:rPr lang="en-GB" u="sng" dirty="0">
                 <a:hlinkClick r:id="rId4"/>
               </a:rPr>
-              <a:t>http://kremer.cpsc.ucalgary.ca/courses/seng403/W2013/papers/05GameDevelopment.pdf</a:t>
+              <a:t>https://books.google.co.uk/books?hl=en&amp;lr=&amp;id=i39yimbrzh4C&amp;oi=fnd&amp;pg=PT15&amp;dq=agile+game+development+loops&amp;ots=Y6Y1a3W38Z&amp;sig=dWxJyDC6lhkYv1Ufuh0zU6dFidU#v=onepage&amp;q&amp;f=false</a:t>
             </a:r>
             <a:endParaRPr lang="en-GB" dirty="0"/>
+          </a:p>
+          <a:p>
+            <a:r>
+              <a:rPr lang="en-GB" dirty="0"/>
+              <a:t>Has a section on process of cycles but don’t currently have access to.</a:t>
+            </a:r>
           </a:p>
           <a:p>
             <a:endParaRPr lang="en-GB" dirty="0"/>
@@ -3334,7 +4951,7 @@
     </p:spTree>
     <p:extLst>
       <p:ext uri="{BB962C8B-B14F-4D97-AF65-F5344CB8AC3E}">
-        <p14:creationId xmlns:p14="http://schemas.microsoft.com/office/powerpoint/2010/main" val="1248082348"/>
+        <p14:creationId xmlns:p14="http://schemas.microsoft.com/office/powerpoint/2010/main" val="3977857130"/>
       </p:ext>
     </p:extLst>
   </p:cSld>
@@ -3637,4 +5254,265 @@
     </a:ext>
   </a:extLst>
 </a:theme>
+</file>
+
+<file path=ppt/theme/theme2.xml><?xml version="1.0" encoding="utf-8"?>
+<a:theme xmlns:a="http://schemas.openxmlformats.org/drawingml/2006/main" name="Office Theme">
+  <a:themeElements>
+    <a:clrScheme name="Office">
+      <a:dk1>
+        <a:sysClr val="windowText" lastClr="000000"/>
+      </a:dk1>
+      <a:lt1>
+        <a:sysClr val="window" lastClr="FFFFFF"/>
+      </a:lt1>
+      <a:dk2>
+        <a:srgbClr val="44546A"/>
+      </a:dk2>
+      <a:lt2>
+        <a:srgbClr val="E7E6E6"/>
+      </a:lt2>
+      <a:accent1>
+        <a:srgbClr val="5B9BD5"/>
+      </a:accent1>
+      <a:accent2>
+        <a:srgbClr val="ED7D31"/>
+      </a:accent2>
+      <a:accent3>
+        <a:srgbClr val="A5A5A5"/>
+      </a:accent3>
+      <a:accent4>
+        <a:srgbClr val="FFC000"/>
+      </a:accent4>
+      <a:accent5>
+        <a:srgbClr val="4472C4"/>
+      </a:accent5>
+      <a:accent6>
+        <a:srgbClr val="70AD47"/>
+      </a:accent6>
+      <a:hlink>
+        <a:srgbClr val="0563C1"/>
+      </a:hlink>
+      <a:folHlink>
+        <a:srgbClr val="954F72"/>
+      </a:folHlink>
+    </a:clrScheme>
+    <a:fontScheme name="Office">
+      <a:majorFont>
+        <a:latin typeface="Calibri Light" panose="020F0302020204030204"/>
+        <a:ea typeface=""/>
+        <a:cs typeface=""/>
+        <a:font script="Jpan" typeface="游ゴシック Light"/>
+        <a:font script="Hang" typeface="맑은 고딕"/>
+        <a:font script="Hans" typeface="等线 Light"/>
+        <a:font script="Hant" typeface="新細明體"/>
+        <a:font script="Arab" typeface="Times New Roman"/>
+        <a:font script="Hebr" typeface="Times New Roman"/>
+        <a:font script="Thai" typeface="Angsana New"/>
+        <a:font script="Ethi" typeface="Nyala"/>
+        <a:font script="Beng" typeface="Vrinda"/>
+        <a:font script="Gujr" typeface="Shruti"/>
+        <a:font script="Khmr" typeface="MoolBoran"/>
+        <a:font script="Knda" typeface="Tunga"/>
+        <a:font script="Guru" typeface="Raavi"/>
+        <a:font script="Cans" typeface="Euphemia"/>
+        <a:font script="Cher" typeface="Plantagenet Cherokee"/>
+        <a:font script="Yiii" typeface="Microsoft Yi Baiti"/>
+        <a:font script="Tibt" typeface="Microsoft Himalaya"/>
+        <a:font script="Thaa" typeface="MV Boli"/>
+        <a:font script="Deva" typeface="Mangal"/>
+        <a:font script="Telu" typeface="Gautami"/>
+        <a:font script="Taml" typeface="Latha"/>
+        <a:font script="Syrc" typeface="Estrangelo Edessa"/>
+        <a:font script="Orya" typeface="Kalinga"/>
+        <a:font script="Mlym" typeface="Kartika"/>
+        <a:font script="Laoo" typeface="DokChampa"/>
+        <a:font script="Sinh" typeface="Iskoola Pota"/>
+        <a:font script="Mong" typeface="Mongolian Baiti"/>
+        <a:font script="Viet" typeface="Times New Roman"/>
+        <a:font script="Uigh" typeface="Microsoft Uighur"/>
+        <a:font script="Geor" typeface="Sylfaen"/>
+      </a:majorFont>
+      <a:minorFont>
+        <a:latin typeface="Calibri" panose="020F0502020204030204"/>
+        <a:ea typeface=""/>
+        <a:cs typeface=""/>
+        <a:font script="Jpan" typeface="游ゴシック"/>
+        <a:font script="Hang" typeface="맑은 고딕"/>
+        <a:font script="Hans" typeface="等线"/>
+        <a:font script="Hant" typeface="新細明體"/>
+        <a:font script="Arab" typeface="Arial"/>
+        <a:font script="Hebr" typeface="Arial"/>
+        <a:font script="Thai" typeface="Cordia New"/>
+        <a:font script="Ethi" typeface="Nyala"/>
+        <a:font script="Beng" typeface="Vrinda"/>
+        <a:font script="Gujr" typeface="Shruti"/>
+        <a:font script="Khmr" typeface="DaunPenh"/>
+        <a:font script="Knda" typeface="Tunga"/>
+        <a:font script="Guru" typeface="Raavi"/>
+        <a:font script="Cans" typeface="Euphemia"/>
+        <a:font script="Cher" typeface="Plantagenet Cherokee"/>
+        <a:font script="Yiii" typeface="Microsoft Yi Baiti"/>
+        <a:font script="Tibt" typeface="Microsoft Himalaya"/>
+        <a:font script="Thaa" typeface="MV Boli"/>
+        <a:font script="Deva" typeface="Mangal"/>
+        <a:font script="Telu" typeface="Gautami"/>
+        <a:font script="Taml" typeface="Latha"/>
+        <a:font script="Syrc" typeface="Estrangelo Edessa"/>
+        <a:font script="Orya" typeface="Kalinga"/>
+        <a:font script="Mlym" typeface="Kartika"/>
+        <a:font script="Laoo" typeface="DokChampa"/>
+        <a:font script="Sinh" typeface="Iskoola Pota"/>
+        <a:font script="Mong" typeface="Mongolian Baiti"/>
+        <a:font script="Viet" typeface="Arial"/>
+        <a:font script="Uigh" typeface="Microsoft Uighur"/>
+        <a:font script="Geor" typeface="Sylfaen"/>
+      </a:minorFont>
+    </a:fontScheme>
+    <a:fmtScheme name="Office">
+      <a:fillStyleLst>
+        <a:solidFill>
+          <a:schemeClr val="phClr"/>
+        </a:solidFill>
+        <a:gradFill rotWithShape="1">
+          <a:gsLst>
+            <a:gs pos="0">
+              <a:schemeClr val="phClr">
+                <a:lumMod val="110000"/>
+                <a:satMod val="105000"/>
+                <a:tint val="67000"/>
+              </a:schemeClr>
+            </a:gs>
+            <a:gs pos="50000">
+              <a:schemeClr val="phClr">
+                <a:lumMod val="105000"/>
+                <a:satMod val="103000"/>
+                <a:tint val="73000"/>
+              </a:schemeClr>
+            </a:gs>
+            <a:gs pos="100000">
+              <a:schemeClr val="phClr">
+                <a:lumMod val="105000"/>
+                <a:satMod val="109000"/>
+                <a:tint val="81000"/>
+              </a:schemeClr>
+            </a:gs>
+          </a:gsLst>
+          <a:lin ang="5400000" scaled="0"/>
+        </a:gradFill>
+        <a:gradFill rotWithShape="1">
+          <a:gsLst>
+            <a:gs pos="0">
+              <a:schemeClr val="phClr">
+                <a:satMod val="103000"/>
+                <a:lumMod val="102000"/>
+                <a:tint val="94000"/>
+              </a:schemeClr>
+            </a:gs>
+            <a:gs pos="50000">
+              <a:schemeClr val="phClr">
+                <a:satMod val="110000"/>
+                <a:lumMod val="100000"/>
+                <a:shade val="100000"/>
+              </a:schemeClr>
+            </a:gs>
+            <a:gs pos="100000">
+              <a:schemeClr val="phClr">
+                <a:lumMod val="99000"/>
+                <a:satMod val="120000"/>
+                <a:shade val="78000"/>
+              </a:schemeClr>
+            </a:gs>
+          </a:gsLst>
+          <a:lin ang="5400000" scaled="0"/>
+        </a:gradFill>
+      </a:fillStyleLst>
+      <a:lnStyleLst>
+        <a:ln w="6350" cap="flat" cmpd="sng" algn="ctr">
+          <a:solidFill>
+            <a:schemeClr val="phClr"/>
+          </a:solidFill>
+          <a:prstDash val="solid"/>
+          <a:miter lim="800000"/>
+        </a:ln>
+        <a:ln w="12700" cap="flat" cmpd="sng" algn="ctr">
+          <a:solidFill>
+            <a:schemeClr val="phClr"/>
+          </a:solidFill>
+          <a:prstDash val="solid"/>
+          <a:miter lim="800000"/>
+        </a:ln>
+        <a:ln w="19050" cap="flat" cmpd="sng" algn="ctr">
+          <a:solidFill>
+            <a:schemeClr val="phClr"/>
+          </a:solidFill>
+          <a:prstDash val="solid"/>
+          <a:miter lim="800000"/>
+        </a:ln>
+      </a:lnStyleLst>
+      <a:effectStyleLst>
+        <a:effectStyle>
+          <a:effectLst/>
+        </a:effectStyle>
+        <a:effectStyle>
+          <a:effectLst/>
+        </a:effectStyle>
+        <a:effectStyle>
+          <a:effectLst>
+            <a:outerShdw blurRad="57150" dist="19050" dir="5400000" algn="ctr" rotWithShape="0">
+              <a:srgbClr val="000000">
+                <a:alpha val="63000"/>
+              </a:srgbClr>
+            </a:outerShdw>
+          </a:effectLst>
+        </a:effectStyle>
+      </a:effectStyleLst>
+      <a:bgFillStyleLst>
+        <a:solidFill>
+          <a:schemeClr val="phClr"/>
+        </a:solidFill>
+        <a:solidFill>
+          <a:schemeClr val="phClr">
+            <a:tint val="95000"/>
+            <a:satMod val="170000"/>
+          </a:schemeClr>
+        </a:solidFill>
+        <a:gradFill rotWithShape="1">
+          <a:gsLst>
+            <a:gs pos="0">
+              <a:schemeClr val="phClr">
+                <a:tint val="93000"/>
+                <a:satMod val="150000"/>
+                <a:shade val="98000"/>
+                <a:lumMod val="102000"/>
+              </a:schemeClr>
+            </a:gs>
+            <a:gs pos="50000">
+              <a:schemeClr val="phClr">
+                <a:tint val="98000"/>
+                <a:satMod val="130000"/>
+                <a:shade val="90000"/>
+                <a:lumMod val="103000"/>
+              </a:schemeClr>
+            </a:gs>
+            <a:gs pos="100000">
+              <a:schemeClr val="phClr">
+                <a:shade val="63000"/>
+                <a:satMod val="120000"/>
+              </a:schemeClr>
+            </a:gs>
+          </a:gsLst>
+          <a:lin ang="5400000" scaled="0"/>
+        </a:gradFill>
+      </a:bgFillStyleLst>
+    </a:fmtScheme>
+  </a:themeElements>
+  <a:objectDefaults/>
+  <a:extraClrSchemeLst/>
+  <a:extLst>
+    <a:ext uri="{05A4C25C-085E-4340-85A3-A5531E510DB2}">
+      <thm15:themeFamily xmlns:thm15="http://schemas.microsoft.com/office/thememl/2012/main" name="Office Theme" id="{62F939B6-93AF-4DB8-9C6B-D6C7DFDC589F}" vid="{4A3C46E8-61CC-4603-A589-7422A47A8E4A}"/>
+    </a:ext>
+  </a:extLst>
+</a:theme>
 </file>